--- a/Project Title.pptx
+++ b/Project Title.pptx
@@ -113,6 +113,22 @@
       </a:defRPr>
     </a:lvl9pPr>
   </p:defaultTextStyle>
+  <p:extLst>
+    <p:ext uri="{EFAFB233-063F-42B5-8137-9DF3F51BA10A}">
+      <p15:sldGuideLst xmlns:p15="http://schemas.microsoft.com/office/powerpoint/2012/main">
+        <p15:guide id="1" orient="horz" pos="2160">
+          <p15:clr>
+            <a:srgbClr val="A4A3A4"/>
+          </p15:clr>
+        </p15:guide>
+        <p15:guide id="2" pos="3840">
+          <p15:clr>
+            <a:srgbClr val="A4A3A4"/>
+          </p15:clr>
+        </p15:guide>
+      </p15:sldGuideLst>
+    </p:ext>
+  </p:extLst>
 </p:presentation>
 </file>
 
@@ -305,7 +321,7 @@
             <a:fld id="{930D3CF7-49A3-40F1-BD80-236EF29BEA74}" type="datetimeFigureOut">
               <a:rPr lang="en-US" smtClean="0"/>
               <a:pPr/>
-              <a:t>10/16/2017</a:t>
+              <a:t>10/17/2017</a:t>
             </a:fld>
             <a:endParaRPr lang="en-US"/>
           </a:p>
@@ -444,7 +460,7 @@
     </p:spTree>
     <p:extLst>
       <p:ext uri="{BB962C8B-B14F-4D97-AF65-F5344CB8AC3E}">
-        <p14:creationId xmlns="" xmlns:p14="http://schemas.microsoft.com/office/powerpoint/2010/main" val="3227971834"/>
+        <p14:creationId xmlns:p14="http://schemas.microsoft.com/office/powerpoint/2010/main" val="3227971834"/>
       </p:ext>
     </p:extLst>
   </p:cSld>
@@ -645,7 +661,7 @@
             <a:fld id="{930D3CF7-49A3-40F1-BD80-236EF29BEA74}" type="datetimeFigureOut">
               <a:rPr lang="en-US" smtClean="0"/>
               <a:pPr/>
-              <a:t>10/16/2017</a:t>
+              <a:t>10/17/2017</a:t>
             </a:fld>
             <a:endParaRPr lang="en-US"/>
           </a:p>
@@ -784,7 +800,7 @@
     </p:spTree>
     <p:extLst>
       <p:ext uri="{BB962C8B-B14F-4D97-AF65-F5344CB8AC3E}">
-        <p14:creationId xmlns="" xmlns:p14="http://schemas.microsoft.com/office/powerpoint/2010/main" val="2994852775"/>
+        <p14:creationId xmlns:p14="http://schemas.microsoft.com/office/powerpoint/2010/main" val="2994852775"/>
       </p:ext>
     </p:extLst>
   </p:cSld>
@@ -1048,7 +1064,7 @@
             <a:fld id="{930D3CF7-49A3-40F1-BD80-236EF29BEA74}" type="datetimeFigureOut">
               <a:rPr lang="en-US" smtClean="0"/>
               <a:pPr/>
-              <a:t>10/16/2017</a:t>
+              <a:t>10/17/2017</a:t>
             </a:fld>
             <a:endParaRPr lang="en-US"/>
           </a:p>
@@ -1263,7 +1279,7 @@
     </p:spTree>
     <p:extLst>
       <p:ext uri="{BB962C8B-B14F-4D97-AF65-F5344CB8AC3E}">
-        <p14:creationId xmlns="" xmlns:p14="http://schemas.microsoft.com/office/powerpoint/2010/main" val="3029803612"/>
+        <p14:creationId xmlns:p14="http://schemas.microsoft.com/office/powerpoint/2010/main" val="3029803612"/>
       </p:ext>
     </p:extLst>
   </p:cSld>
@@ -1386,7 +1402,7 @@
             <a:fld id="{930D3CF7-49A3-40F1-BD80-236EF29BEA74}" type="datetimeFigureOut">
               <a:rPr lang="en-US" smtClean="0"/>
               <a:pPr/>
-              <a:t>10/16/2017</a:t>
+              <a:t>10/17/2017</a:t>
             </a:fld>
             <a:endParaRPr lang="en-US"/>
           </a:p>
@@ -1525,7 +1541,7 @@
     </p:spTree>
     <p:extLst>
       <p:ext uri="{BB962C8B-B14F-4D97-AF65-F5344CB8AC3E}">
-        <p14:creationId xmlns="" xmlns:p14="http://schemas.microsoft.com/office/powerpoint/2010/main" val="2222653317"/>
+        <p14:creationId xmlns:p14="http://schemas.microsoft.com/office/powerpoint/2010/main" val="2222653317"/>
       </p:ext>
     </p:extLst>
   </p:cSld>
@@ -1708,7 +1724,7 @@
             <a:fld id="{930D3CF7-49A3-40F1-BD80-236EF29BEA74}" type="datetimeFigureOut">
               <a:rPr lang="en-US" smtClean="0"/>
               <a:pPr/>
-              <a:t>10/16/2017</a:t>
+              <a:t>10/17/2017</a:t>
             </a:fld>
             <a:endParaRPr lang="en-US"/>
           </a:p>
@@ -1923,7 +1939,7 @@
     </p:spTree>
     <p:extLst>
       <p:ext uri="{BB962C8B-B14F-4D97-AF65-F5344CB8AC3E}">
-        <p14:creationId xmlns="" xmlns:p14="http://schemas.microsoft.com/office/powerpoint/2010/main" val="2026216707"/>
+        <p14:creationId xmlns:p14="http://schemas.microsoft.com/office/powerpoint/2010/main" val="2026216707"/>
       </p:ext>
     </p:extLst>
   </p:cSld>
@@ -2106,7 +2122,7 @@
             <a:fld id="{930D3CF7-49A3-40F1-BD80-236EF29BEA74}" type="datetimeFigureOut">
               <a:rPr lang="en-US" smtClean="0"/>
               <a:pPr/>
-              <a:t>10/16/2017</a:t>
+              <a:t>10/17/2017</a:t>
             </a:fld>
             <a:endParaRPr lang="en-US"/>
           </a:p>
@@ -2245,7 +2261,7 @@
     </p:spTree>
     <p:extLst>
       <p:ext uri="{BB962C8B-B14F-4D97-AF65-F5344CB8AC3E}">
-        <p14:creationId xmlns="" xmlns:p14="http://schemas.microsoft.com/office/powerpoint/2010/main" val="2893497311"/>
+        <p14:creationId xmlns:p14="http://schemas.microsoft.com/office/powerpoint/2010/main" val="2893497311"/>
       </p:ext>
     </p:extLst>
   </p:cSld>
@@ -2365,7 +2381,7 @@
             <a:fld id="{930D3CF7-49A3-40F1-BD80-236EF29BEA74}" type="datetimeFigureOut">
               <a:rPr lang="en-US" smtClean="0"/>
               <a:pPr/>
-              <a:t>10/16/2017</a:t>
+              <a:t>10/17/2017</a:t>
             </a:fld>
             <a:endParaRPr lang="en-US"/>
           </a:p>
@@ -2499,7 +2515,7 @@
     </p:spTree>
     <p:extLst>
       <p:ext uri="{BB962C8B-B14F-4D97-AF65-F5344CB8AC3E}">
-        <p14:creationId xmlns="" xmlns:p14="http://schemas.microsoft.com/office/powerpoint/2010/main" val="510868137"/>
+        <p14:creationId xmlns:p14="http://schemas.microsoft.com/office/powerpoint/2010/main" val="510868137"/>
       </p:ext>
     </p:extLst>
   </p:cSld>
@@ -2629,7 +2645,7 @@
             <a:fld id="{930D3CF7-49A3-40F1-BD80-236EF29BEA74}" type="datetimeFigureOut">
               <a:rPr lang="en-US" smtClean="0"/>
               <a:pPr/>
-              <a:t>10/16/2017</a:t>
+              <a:t>10/17/2017</a:t>
             </a:fld>
             <a:endParaRPr lang="en-US"/>
           </a:p>
@@ -2763,7 +2779,7 @@
     </p:spTree>
     <p:extLst>
       <p:ext uri="{BB962C8B-B14F-4D97-AF65-F5344CB8AC3E}">
-        <p14:creationId xmlns="" xmlns:p14="http://schemas.microsoft.com/office/powerpoint/2010/main" val="3031686164"/>
+        <p14:creationId xmlns:p14="http://schemas.microsoft.com/office/powerpoint/2010/main" val="3031686164"/>
       </p:ext>
     </p:extLst>
   </p:cSld>
@@ -2893,7 +2909,7 @@
             <a:fld id="{930D3CF7-49A3-40F1-BD80-236EF29BEA74}" type="datetimeFigureOut">
               <a:rPr lang="en-US" smtClean="0"/>
               <a:pPr/>
-              <a:t>10/16/2017</a:t>
+              <a:t>10/17/2017</a:t>
             </a:fld>
             <a:endParaRPr lang="en-US"/>
           </a:p>
@@ -3027,7 +3043,7 @@
     </p:spTree>
     <p:extLst>
       <p:ext uri="{BB962C8B-B14F-4D97-AF65-F5344CB8AC3E}">
-        <p14:creationId xmlns="" xmlns:p14="http://schemas.microsoft.com/office/powerpoint/2010/main" val="2786618209"/>
+        <p14:creationId xmlns:p14="http://schemas.microsoft.com/office/powerpoint/2010/main" val="2786618209"/>
       </p:ext>
     </p:extLst>
   </p:cSld>
@@ -3224,7 +3240,7 @@
             <a:fld id="{930D3CF7-49A3-40F1-BD80-236EF29BEA74}" type="datetimeFigureOut">
               <a:rPr lang="en-US" smtClean="0"/>
               <a:pPr/>
-              <a:t>10/16/2017</a:t>
+              <a:t>10/17/2017</a:t>
             </a:fld>
             <a:endParaRPr lang="en-US"/>
           </a:p>
@@ -3363,7 +3379,7 @@
     </p:spTree>
     <p:extLst>
       <p:ext uri="{BB962C8B-B14F-4D97-AF65-F5344CB8AC3E}">
-        <p14:creationId xmlns="" xmlns:p14="http://schemas.microsoft.com/office/powerpoint/2010/main" val="3161060854"/>
+        <p14:creationId xmlns:p14="http://schemas.microsoft.com/office/powerpoint/2010/main" val="3161060854"/>
       </p:ext>
     </p:extLst>
   </p:cSld>
@@ -3549,7 +3565,7 @@
             <a:fld id="{930D3CF7-49A3-40F1-BD80-236EF29BEA74}" type="datetimeFigureOut">
               <a:rPr lang="en-US" smtClean="0"/>
               <a:pPr/>
-              <a:t>10/16/2017</a:t>
+              <a:t>10/17/2017</a:t>
             </a:fld>
             <a:endParaRPr lang="en-US"/>
           </a:p>
@@ -3688,7 +3704,7 @@
     </p:spTree>
     <p:extLst>
       <p:ext uri="{BB962C8B-B14F-4D97-AF65-F5344CB8AC3E}">
-        <p14:creationId xmlns="" xmlns:p14="http://schemas.microsoft.com/office/powerpoint/2010/main" val="1440271831"/>
+        <p14:creationId xmlns:p14="http://schemas.microsoft.com/office/powerpoint/2010/main" val="1440271831"/>
       </p:ext>
     </p:extLst>
   </p:cSld>
@@ -4008,7 +4024,7 @@
             <a:fld id="{930D3CF7-49A3-40F1-BD80-236EF29BEA74}" type="datetimeFigureOut">
               <a:rPr lang="en-US" smtClean="0"/>
               <a:pPr/>
-              <a:t>10/16/2017</a:t>
+              <a:t>10/17/2017</a:t>
             </a:fld>
             <a:endParaRPr lang="en-US"/>
           </a:p>
@@ -4147,7 +4163,7 @@
     </p:spTree>
     <p:extLst>
       <p:ext uri="{BB962C8B-B14F-4D97-AF65-F5344CB8AC3E}">
-        <p14:creationId xmlns="" xmlns:p14="http://schemas.microsoft.com/office/powerpoint/2010/main" val="2009136940"/>
+        <p14:creationId xmlns:p14="http://schemas.microsoft.com/office/powerpoint/2010/main" val="2009136940"/>
       </p:ext>
     </p:extLst>
   </p:cSld>
@@ -4215,7 +4231,7 @@
             <a:fld id="{930D3CF7-49A3-40F1-BD80-236EF29BEA74}" type="datetimeFigureOut">
               <a:rPr lang="en-US" smtClean="0"/>
               <a:pPr/>
-              <a:t>10/16/2017</a:t>
+              <a:t>10/17/2017</a:t>
             </a:fld>
             <a:endParaRPr lang="en-US"/>
           </a:p>
@@ -4349,7 +4365,7 @@
     </p:spTree>
     <p:extLst>
       <p:ext uri="{BB962C8B-B14F-4D97-AF65-F5344CB8AC3E}">
-        <p14:creationId xmlns="" xmlns:p14="http://schemas.microsoft.com/office/powerpoint/2010/main" val="3990888413"/>
+        <p14:creationId xmlns:p14="http://schemas.microsoft.com/office/powerpoint/2010/main" val="3990888413"/>
       </p:ext>
     </p:extLst>
   </p:cSld>
@@ -4394,7 +4410,7 @@
             <a:fld id="{930D3CF7-49A3-40F1-BD80-236EF29BEA74}" type="datetimeFigureOut">
               <a:rPr lang="en-US" smtClean="0"/>
               <a:pPr/>
-              <a:t>10/16/2017</a:t>
+              <a:t>10/17/2017</a:t>
             </a:fld>
             <a:endParaRPr lang="en-US"/>
           </a:p>
@@ -4528,7 +4544,7 @@
     </p:spTree>
     <p:extLst>
       <p:ext uri="{BB962C8B-B14F-4D97-AF65-F5344CB8AC3E}">
-        <p14:creationId xmlns="" xmlns:p14="http://schemas.microsoft.com/office/powerpoint/2010/main" val="2026771363"/>
+        <p14:creationId xmlns:p14="http://schemas.microsoft.com/office/powerpoint/2010/main" val="2026771363"/>
       </p:ext>
     </p:extLst>
   </p:cSld>
@@ -4729,7 +4745,7 @@
             <a:fld id="{930D3CF7-49A3-40F1-BD80-236EF29BEA74}" type="datetimeFigureOut">
               <a:rPr lang="en-US" smtClean="0"/>
               <a:pPr/>
-              <a:t>10/16/2017</a:t>
+              <a:t>10/17/2017</a:t>
             </a:fld>
             <a:endParaRPr lang="en-US"/>
           </a:p>
@@ -4863,7 +4879,7 @@
     </p:spTree>
     <p:extLst>
       <p:ext uri="{BB962C8B-B14F-4D97-AF65-F5344CB8AC3E}">
-        <p14:creationId xmlns="" xmlns:p14="http://schemas.microsoft.com/office/powerpoint/2010/main" val="50934851"/>
+        <p14:creationId xmlns:p14="http://schemas.microsoft.com/office/powerpoint/2010/main" val="50934851"/>
       </p:ext>
     </p:extLst>
   </p:cSld>
@@ -5076,7 +5092,7 @@
             <a:fld id="{930D3CF7-49A3-40F1-BD80-236EF29BEA74}" type="datetimeFigureOut">
               <a:rPr lang="en-US" smtClean="0"/>
               <a:pPr/>
-              <a:t>10/16/2017</a:t>
+              <a:t>10/17/2017</a:t>
             </a:fld>
             <a:endParaRPr lang="en-US"/>
           </a:p>
@@ -5215,7 +5231,7 @@
     </p:spTree>
     <p:extLst>
       <p:ext uri="{BB962C8B-B14F-4D97-AF65-F5344CB8AC3E}">
-        <p14:creationId xmlns="" xmlns:p14="http://schemas.microsoft.com/office/powerpoint/2010/main" val="3361256441"/>
+        <p14:creationId xmlns:p14="http://schemas.microsoft.com/office/powerpoint/2010/main" val="3361256441"/>
       </p:ext>
     </p:extLst>
   </p:cSld>
@@ -7195,7 +7211,7 @@
             <a:fld id="{930D3CF7-49A3-40F1-BD80-236EF29BEA74}" type="datetimeFigureOut">
               <a:rPr lang="en-US" smtClean="0"/>
               <a:pPr/>
-              <a:t>10/16/2017</a:t>
+              <a:t>10/17/2017</a:t>
             </a:fld>
             <a:endParaRPr lang="en-US"/>
           </a:p>
@@ -7281,7 +7297,7 @@
     </p:spTree>
     <p:extLst>
       <p:ext uri="{BB962C8B-B14F-4D97-AF65-F5344CB8AC3E}">
-        <p14:creationId xmlns="" xmlns:p14="http://schemas.microsoft.com/office/powerpoint/2010/main" val="2301884148"/>
+        <p14:creationId xmlns:p14="http://schemas.microsoft.com/office/powerpoint/2010/main" val="2301884148"/>
       </p:ext>
     </p:extLst>
   </p:cSld>
@@ -7795,58 +7811,58 @@
           <a:p>
             <a:pPr algn="ctr"/>
             <a:r>
+              <a:rPr lang="en-US" sz="2000" dirty="0" smtClean="0"/>
+              <a:t>Team </a:t>
+            </a:r>
+            <a:r>
+              <a:rPr lang="en-US" sz="2000" dirty="0" err="1" smtClean="0"/>
+              <a:t>memmers:Miho</a:t>
+            </a:r>
+            <a:r>
+              <a:rPr lang="en-US" sz="2000" dirty="0" smtClean="0"/>
+              <a:t> </a:t>
+            </a:r>
+            <a:r>
+              <a:rPr lang="en-US" sz="2000" dirty="0" err="1"/>
+              <a:t>Akasaka</a:t>
+            </a:r>
+            <a:r>
+              <a:rPr lang="en-US" sz="2000" dirty="0"/>
+              <a:t>, </a:t>
+            </a:r>
+            <a:r>
+              <a:rPr lang="en-US" sz="2000" dirty="0" err="1"/>
+              <a:t>Azam</a:t>
+            </a:r>
+            <a:r>
+              <a:rPr lang="en-US" sz="2000" dirty="0"/>
+              <a:t> </a:t>
+            </a:r>
+            <a:r>
+              <a:rPr lang="en-US" sz="2000" dirty="0" err="1" smtClean="0"/>
+              <a:t>Shirani</a:t>
+            </a:r>
+            <a:r>
+              <a:rPr lang="en-US" sz="2000" dirty="0" smtClean="0"/>
+              <a:t> </a:t>
+            </a:r>
+            <a:r>
+              <a:rPr lang="en-US" sz="2000" dirty="0" err="1"/>
+              <a:t>Bidabadi</a:t>
+            </a:r>
+            <a:r>
+              <a:rPr lang="en-US" sz="2000" dirty="0"/>
+              <a:t> </a:t>
+            </a:r>
+            <a:endParaRPr lang="en-US" sz="2000" dirty="0" smtClean="0"/>
+          </a:p>
+          <a:p>
+            <a:pPr algn="ctr"/>
+            <a:r>
               <a:rPr lang="en-US" dirty="0" smtClean="0"/>
-              <a:t>Team </a:t>
-            </a:r>
-            <a:r>
-              <a:rPr lang="en-US" dirty="0" err="1" smtClean="0"/>
-              <a:t>memmers:Miho</a:t>
-            </a:r>
-            <a:r>
-              <a:rPr lang="en-US" dirty="0" smtClean="0"/>
-              <a:t> </a:t>
-            </a:r>
-            <a:r>
-              <a:rPr lang="en-US" dirty="0" err="1"/>
-              <a:t>Akasaka</a:t>
-            </a:r>
-            <a:r>
-              <a:rPr lang="en-US" dirty="0"/>
-              <a:t>, </a:t>
-            </a:r>
-            <a:r>
-              <a:rPr lang="en-US" dirty="0" err="1"/>
-              <a:t>Azam</a:t>
-            </a:r>
-            <a:r>
-              <a:rPr lang="en-US" dirty="0"/>
-              <a:t> </a:t>
-            </a:r>
-            <a:r>
-              <a:rPr lang="en-US" dirty="0" err="1" smtClean="0"/>
-              <a:t>Shirani</a:t>
-            </a:r>
-            <a:r>
-              <a:rPr lang="en-US" dirty="0" smtClean="0"/>
-              <a:t> </a:t>
-            </a:r>
-            <a:r>
-              <a:rPr lang="en-US" dirty="0" err="1"/>
-              <a:t>Bidabadi</a:t>
-            </a:r>
-            <a:r>
-              <a:rPr lang="en-US" dirty="0"/>
-              <a:t> </a:t>
-            </a:r>
-            <a:endParaRPr lang="en-US" dirty="0" smtClean="0"/>
-          </a:p>
-          <a:p>
-            <a:pPr algn="ctr"/>
-            <a:r>
-              <a:rPr lang="en-US" sz="1600" dirty="0" smtClean="0"/>
               <a:t>Fall 2017</a:t>
             </a:r>
-            <a:endParaRPr lang="en-US" sz="1600" dirty="0"/>
+            <a:endParaRPr lang="en-US" dirty="0"/>
           </a:p>
         </p:txBody>
       </p:sp>
@@ -7875,7 +7891,7 @@
           <a:effectLst/>
           <a:extLst>
             <a:ext uri="{91240B29-F687-4F45-9708-019B960494DF}">
-              <a14:hiddenLine xmlns="" xmlns:a14="http://schemas.microsoft.com/office/drawing/2010/main" w="9525">
+              <a14:hiddenLine xmlns:a14="http://schemas.microsoft.com/office/drawing/2010/main" w="9525">
                 <a:solidFill>
                   <a:schemeClr val="tx1"/>
                 </a:solidFill>
@@ -7885,7 +7901,7 @@
               </a14:hiddenLine>
             </a:ext>
             <a:ext uri="{AF507438-7753-43E0-B8FC-AC1667EBCBE1}">
-              <a14:hiddenEffects xmlns="" xmlns:a14="http://schemas.microsoft.com/office/drawing/2010/main">
+              <a14:hiddenEffects xmlns:a14="http://schemas.microsoft.com/office/drawing/2010/main">
                 <a:effectLst>
                   <a:outerShdw dist="35921" dir="2700000" algn="ctr" rotWithShape="0">
                     <a:schemeClr val="bg2"/>
@@ -7961,7 +7977,7 @@
     </p:spTree>
     <p:extLst>
       <p:ext uri="{BB962C8B-B14F-4D97-AF65-F5344CB8AC3E}">
-        <p14:creationId xmlns="" xmlns:p14="http://schemas.microsoft.com/office/powerpoint/2010/main" val="961017548"/>
+        <p14:creationId xmlns:p14="http://schemas.microsoft.com/office/powerpoint/2010/main" val="961017548"/>
       </p:ext>
     </p:extLst>
   </p:cSld>
@@ -8026,7 +8042,7 @@
           <a:blip r:embed="rId2" cstate="print">
             <a:extLst>
               <a:ext uri="{28A0092B-C50C-407E-A947-70E740481C1C}">
-                <a14:useLocalDpi xmlns="" xmlns:a14="http://schemas.microsoft.com/office/drawing/2010/main" val="0"/>
+                <a14:useLocalDpi xmlns:a14="http://schemas.microsoft.com/office/drawing/2010/main" val="0"/>
               </a:ext>
             </a:extLst>
           </a:blip>
@@ -8044,7 +8060,7 @@
     </p:spTree>
     <p:extLst>
       <p:ext uri="{BB962C8B-B14F-4D97-AF65-F5344CB8AC3E}">
-        <p14:creationId xmlns="" xmlns:p14="http://schemas.microsoft.com/office/powerpoint/2010/main" val="2784108446"/>
+        <p14:creationId xmlns:p14="http://schemas.microsoft.com/office/powerpoint/2010/main" val="2784108446"/>
       </p:ext>
     </p:extLst>
   </p:cSld>
@@ -8104,62 +8120,61 @@
             <p:ph idx="1"/>
           </p:nvPr>
         </p:nvSpPr>
-        <p:spPr/>
+        <p:spPr>
+          <a:xfrm>
+            <a:off x="1751527" y="1905000"/>
+            <a:ext cx="9753085" cy="4817772"/>
+          </a:xfrm>
+        </p:spPr>
         <p:txBody>
           <a:bodyPr/>
           <a:lstStyle/>
           <a:p>
             <a:r>
-              <a:rPr lang="en-US" sz="2000" b="1" dirty="0" smtClean="0"/>
+              <a:rPr lang="en-US" sz="2400" b="1" dirty="0" smtClean="0"/>
               <a:t>Servers: </a:t>
             </a:r>
             <a:r>
-              <a:rPr lang="en-US" dirty="0" smtClean="0"/>
+              <a:rPr lang="en-US" sz="2000" dirty="0" smtClean="0"/>
               <a:t>order management and </a:t>
             </a:r>
             <a:r>
-              <a:rPr lang="en-US" dirty="0"/>
-              <a:t>table management.  They are able to send an order to kitchen quickly and que to start next service and also take reservations and view available tables. For payment, they can split checks. </a:t>
-            </a:r>
-          </a:p>
-          <a:p>
-            <a:r>
-              <a:rPr lang="en-US" sz="2000" b="1" dirty="0" smtClean="0"/>
+              <a:rPr lang="en-US" sz="2000" dirty="0"/>
+              <a:t>table management.  They are able to send an order to kitchen quickly </a:t>
+            </a:r>
+            <a:r>
+              <a:rPr lang="en-US" sz="2000" dirty="0" smtClean="0"/>
+              <a:t>.For </a:t>
+            </a:r>
+            <a:r>
+              <a:rPr lang="en-US" sz="2000" dirty="0"/>
+              <a:t>payment, they can split checks. </a:t>
+            </a:r>
+            <a:endParaRPr lang="en-US" sz="2000" dirty="0" smtClean="0"/>
+          </a:p>
+          <a:p>
+            <a:endParaRPr lang="en-US" sz="2000" dirty="0"/>
+          </a:p>
+          <a:p>
+            <a:r>
+              <a:rPr lang="en-US" sz="2400" b="1" dirty="0" smtClean="0"/>
               <a:t>Managers</a:t>
             </a:r>
             <a:r>
-              <a:rPr lang="en-US" dirty="0" smtClean="0"/>
-              <a:t> : Edit </a:t>
-            </a:r>
-            <a:r>
-              <a:rPr lang="en-US" dirty="0"/>
-              <a:t>menu items, access payroll information, time clocks, and business </a:t>
-            </a:r>
-            <a:r>
-              <a:rPr lang="en-US" dirty="0" smtClean="0"/>
-              <a:t>reports</a:t>
-            </a:r>
-            <a:r>
-              <a:rPr lang="en-US" dirty="0"/>
-              <a:t>. Detailed sales reports in this system can help provide management with insight into which items are selling the </a:t>
-            </a:r>
-            <a:r>
-              <a:rPr lang="en-US" dirty="0" smtClean="0"/>
-              <a:t>best</a:t>
-            </a:r>
-            <a:r>
-              <a:rPr lang="en-US" dirty="0"/>
-              <a:t>.  </a:t>
-            </a:r>
-            <a:endParaRPr lang="en-US" dirty="0" smtClean="0"/>
-          </a:p>
-          <a:p>
-            <a:r>
-              <a:rPr lang="en-US" sz="2000" b="1" dirty="0" smtClean="0"/>
+              <a:rPr lang="en-US" sz="2000" dirty="0" smtClean="0"/>
+              <a:t> : Manage employee information and see daily sales report.</a:t>
+            </a:r>
+          </a:p>
+          <a:p>
+            <a:endParaRPr lang="en-US" sz="2000" dirty="0" smtClean="0"/>
+          </a:p>
+          <a:p>
+            <a:r>
+              <a:rPr lang="en-US" sz="2400" b="1" dirty="0" smtClean="0"/>
               <a:t>Kitchen</a:t>
             </a:r>
             <a:r>
-              <a:rPr lang="en-US" dirty="0" smtClean="0"/>
+              <a:rPr lang="en-US" sz="2000" dirty="0" smtClean="0"/>
               <a:t>, receive order from servers</a:t>
             </a:r>
           </a:p>
@@ -8180,7 +8195,7 @@
     </p:spTree>
     <p:extLst>
       <p:ext uri="{BB962C8B-B14F-4D97-AF65-F5344CB8AC3E}">
-        <p14:creationId xmlns="" xmlns:p14="http://schemas.microsoft.com/office/powerpoint/2010/main" val="1885077849"/>
+        <p14:creationId xmlns:p14="http://schemas.microsoft.com/office/powerpoint/2010/main" val="1885077849"/>
       </p:ext>
     </p:extLst>
   </p:cSld>
@@ -8219,13 +8234,44 @@
         </p:nvSpPr>
         <p:spPr/>
         <p:txBody>
-          <a:bodyPr/>
+          <a:bodyPr>
+            <a:normAutofit fontScale="90000"/>
+          </a:bodyPr>
           <a:lstStyle/>
           <a:p>
             <a:r>
               <a:rPr lang="en-US" b="1" dirty="0" smtClean="0"/>
-              <a:t>Our solution</a:t>
-            </a:r>
+              <a:t>Manager</a:t>
+            </a:r>
+            <a:r>
+              <a:rPr lang="en-US" b="1" dirty="0"/>
+              <a:t>:         </a:t>
+            </a:r>
+            <a:br>
+              <a:rPr lang="en-US" b="1" dirty="0"/>
+            </a:br>
+            <a:r>
+              <a:rPr lang="en-US" sz="2700" dirty="0"/>
+              <a:t>  </a:t>
+            </a:r>
+            <a:r>
+              <a:rPr lang="en-US" sz="2700" b="1" dirty="0"/>
+              <a:t>Employee management </a:t>
+            </a:r>
+            <a:br>
+              <a:rPr lang="en-US" sz="2700" b="1" dirty="0"/>
+            </a:br>
+            <a:r>
+              <a:rPr lang="en-US" sz="2700" b="1" dirty="0"/>
+              <a:t>  Sales Report </a:t>
+            </a:r>
+            <a:r>
+              <a:rPr lang="en-US" b="1" dirty="0"/>
+              <a:t/>
+            </a:r>
+            <a:br>
+              <a:rPr lang="en-US" b="1" dirty="0"/>
+            </a:br>
             <a:endParaRPr lang="en-US" b="1" dirty="0"/>
           </a:p>
         </p:txBody>
@@ -8240,89 +8286,85 @@
             <p:ph idx="1"/>
           </p:nvPr>
         </p:nvSpPr>
-        <p:spPr/>
+        <p:spPr>
+          <a:xfrm>
+            <a:off x="1219864" y="3373192"/>
+            <a:ext cx="8915400" cy="3777622"/>
+          </a:xfrm>
+        </p:spPr>
         <p:txBody>
           <a:bodyPr>
             <a:normAutofit/>
           </a:bodyPr>
           <a:lstStyle/>
           <a:p>
-            <a:r>
-              <a:rPr lang="en-US" sz="2400" b="1" dirty="0" smtClean="0"/>
-              <a:t>Manager:         </a:t>
-            </a:r>
-          </a:p>
-          <a:p>
-            <a:pPr>
-              <a:buFont typeface="Wingdings" pitchFamily="2" charset="2"/>
-              <a:buChar char="Ø"/>
+            <a:pPr marL="0" indent="0">
+              <a:buNone/>
             </a:pPr>
-            <a:r>
-              <a:rPr lang="en-US" dirty="0" smtClean="0"/>
-              <a:t>  </a:t>
-            </a:r>
-            <a:r>
-              <a:rPr lang="en-US" b="1" dirty="0" smtClean="0"/>
-              <a:t>Employee management </a:t>
-            </a:r>
-          </a:p>
-          <a:p>
-            <a:pPr marL="400050" indent="-400050">
-              <a:buFont typeface="Wingdings" pitchFamily="2" charset="2"/>
-              <a:buChar char="Ø"/>
-            </a:pPr>
-            <a:r>
-              <a:rPr lang="en-US" b="1" dirty="0" smtClean="0"/>
-              <a:t>  Sales Report </a:t>
-            </a:r>
-          </a:p>
-          <a:p>
-            <a:r>
-              <a:rPr lang="en-US" sz="2400" b="1" dirty="0" smtClean="0"/>
-              <a:t>Waiter</a:t>
-            </a:r>
-          </a:p>
-          <a:p>
-            <a:pPr>
-              <a:buFont typeface="Wingdings" pitchFamily="2" charset="2"/>
-              <a:buChar char="Ø"/>
-            </a:pPr>
-            <a:r>
-              <a:rPr lang="en-US" dirty="0" smtClean="0"/>
-              <a:t>   </a:t>
-            </a:r>
-            <a:r>
-              <a:rPr lang="en-US" b="1" dirty="0" smtClean="0"/>
-              <a:t>Order  management</a:t>
-            </a:r>
-          </a:p>
-          <a:p>
-            <a:r>
-              <a:rPr lang="en-US" sz="2400" b="1" dirty="0" smtClean="0"/>
-              <a:t>Chef </a:t>
-            </a:r>
-          </a:p>
-          <a:p>
-            <a:pPr>
-              <a:buFont typeface="Wingdings" pitchFamily="2" charset="2"/>
-              <a:buChar char="Ø"/>
-            </a:pPr>
-            <a:r>
-              <a:rPr lang="en-US" b="1" dirty="0" smtClean="0"/>
-              <a:t>    Receive  an order</a:t>
-            </a:r>
-          </a:p>
-          <a:p>
-            <a:pPr>
-              <a:buNone/>
-            </a:pPr>
-            <a:r>
-              <a:rPr lang="en-US" dirty="0" smtClean="0"/>
-              <a:t>  </a:t>
-            </a:r>
-          </a:p>
-        </p:txBody>
-      </p:sp>
+            <a:endParaRPr lang="en-US" b="1" dirty="0" smtClean="0"/>
+          </a:p>
+        </p:txBody>
+      </p:sp>
+      <p:pic>
+        <p:nvPicPr>
+          <p:cNvPr id="5" name="Picture 4"/>
+          <p:cNvPicPr>
+            <a:picLocks noChangeAspect="1"/>
+          </p:cNvPicPr>
+          <p:nvPr/>
+        </p:nvPicPr>
+        <p:blipFill>
+          <a:blip r:embed="rId2">
+            <a:extLst>
+              <a:ext uri="{28A0092B-C50C-407E-A947-70E740481C1C}">
+                <a14:useLocalDpi xmlns:a14="http://schemas.microsoft.com/office/drawing/2010/main" val="0"/>
+              </a:ext>
+            </a:extLst>
+          </a:blip>
+          <a:stretch>
+            <a:fillRect/>
+          </a:stretch>
+        </p:blipFill>
+        <p:spPr>
+          <a:xfrm>
+            <a:off x="6072740" y="2543934"/>
+            <a:ext cx="5926077" cy="3002990"/>
+          </a:xfrm>
+          <a:prstGeom prst="rect">
+            <a:avLst/>
+          </a:prstGeom>
+        </p:spPr>
+      </p:pic>
+      <p:pic>
+        <p:nvPicPr>
+          <p:cNvPr id="7" name="Picture 6"/>
+          <p:cNvPicPr>
+            <a:picLocks noChangeAspect="1"/>
+          </p:cNvPicPr>
+          <p:nvPr/>
+        </p:nvPicPr>
+        <p:blipFill>
+          <a:blip r:embed="rId3">
+            <a:extLst>
+              <a:ext uri="{28A0092B-C50C-407E-A947-70E740481C1C}">
+                <a14:useLocalDpi xmlns:a14="http://schemas.microsoft.com/office/drawing/2010/main" val="0"/>
+              </a:ext>
+            </a:extLst>
+          </a:blip>
+          <a:stretch>
+            <a:fillRect/>
+          </a:stretch>
+        </p:blipFill>
+        <p:spPr>
+          <a:xfrm>
+            <a:off x="1032663" y="3155323"/>
+            <a:ext cx="5335398" cy="3393583"/>
+          </a:xfrm>
+          <a:prstGeom prst="rect">
+            <a:avLst/>
+          </a:prstGeom>
+        </p:spPr>
+      </p:pic>
     </p:spTree>
   </p:cSld>
   <p:clrMapOvr>
@@ -8358,31 +8400,51 @@
             <p:ph type="title"/>
           </p:nvPr>
         </p:nvSpPr>
-        <p:spPr/>
-        <p:txBody>
-          <a:bodyPr/>
+        <p:spPr>
+          <a:xfrm>
+            <a:off x="1640156" y="189148"/>
+            <a:ext cx="8911687" cy="1280890"/>
+          </a:xfrm>
+        </p:spPr>
+        <p:txBody>
+          <a:bodyPr>
+            <a:noAutofit/>
+          </a:bodyPr>
           <a:lstStyle/>
           <a:p>
-            <a:endParaRPr lang="en-US"/>
-          </a:p>
-        </p:txBody>
-      </p:sp>
-      <p:sp>
-        <p:nvSpPr>
-          <p:cNvPr id="3" name="Content Placeholder 2"/>
-          <p:cNvSpPr>
-            <a:spLocks noGrp="1"/>
-          </p:cNvSpPr>
-          <p:nvPr>
-            <p:ph idx="1"/>
-          </p:nvPr>
-        </p:nvSpPr>
-        <p:spPr/>
-        <p:txBody>
-          <a:bodyPr/>
-          <a:lstStyle/>
-          <a:p>
-            <a:endParaRPr lang="en-US"/>
+            <a:r>
+              <a:rPr lang="en-US" sz="2400" b="1" dirty="0"/>
+              <a:t>Waiter</a:t>
+            </a:r>
+            <a:br>
+              <a:rPr lang="en-US" sz="2400" b="1" dirty="0"/>
+            </a:br>
+            <a:r>
+              <a:rPr lang="en-US" sz="1800" dirty="0"/>
+              <a:t>   </a:t>
+            </a:r>
+            <a:r>
+              <a:rPr lang="en-US" sz="1800" b="1" dirty="0"/>
+              <a:t>Order  management, Bill print</a:t>
+            </a:r>
+            <a:br>
+              <a:rPr lang="en-US" sz="1800" b="1" dirty="0"/>
+            </a:br>
+            <a:r>
+              <a:rPr lang="en-US" sz="2400" b="1" dirty="0"/>
+              <a:t>Chef </a:t>
+            </a:r>
+            <a:br>
+              <a:rPr lang="en-US" sz="2400" b="1" dirty="0"/>
+            </a:br>
+            <a:r>
+              <a:rPr lang="en-US" sz="1800" b="1" dirty="0"/>
+              <a:t>    Receive  an order</a:t>
+            </a:r>
+            <a:br>
+              <a:rPr lang="en-US" sz="1800" b="1" dirty="0"/>
+            </a:br>
+            <a:endParaRPr lang="en-US" sz="1800" dirty="0"/>
           </a:p>
         </p:txBody>
       </p:sp>
@@ -8394,8 +8456,8 @@
         </p:nvSpPr>
         <p:spPr>
           <a:xfrm>
-            <a:off x="4291500" y="3244334"/>
-            <a:ext cx="3609000" cy="369332"/>
+            <a:off x="5516354" y="3244334"/>
+            <a:ext cx="1159292" cy="369332"/>
           </a:xfrm>
           <a:prstGeom prst="rect">
             <a:avLst/>
@@ -8416,16 +8478,16 @@
               </a:spcAft>
             </a:pPr>
             <a:r>
-              <a:rPr lang="en-US" altLang="en-US" dirty="0">
+              <a:rPr lang="en-US" altLang="en-US" dirty="0" smtClean="0">
                 <a:solidFill>
                   <a:srgbClr val="172B4D"/>
                 </a:solidFill>
                 <a:latin typeface="SFMono-Medium"/>
               </a:rPr>
-              <a:t>* 2 slides: Your solution overview</a:t>
-            </a:r>
-            <a:r>
-              <a:rPr lang="en-US" altLang="en-US" dirty="0"/>
+              <a:t>overview</a:t>
+            </a:r>
+            <a:r>
+              <a:rPr lang="en-US" altLang="en-US" dirty="0" smtClean="0"/>
               <a:t> </a:t>
             </a:r>
             <a:endParaRPr lang="en-US" altLang="en-US" dirty="0">
@@ -8434,10 +8496,72 @@
           </a:p>
         </p:txBody>
       </p:sp>
+      <p:pic>
+        <p:nvPicPr>
+          <p:cNvPr id="5" name="Content Placeholder 4"/>
+          <p:cNvPicPr>
+            <a:picLocks noGrp="1" noChangeAspect="1"/>
+          </p:cNvPicPr>
+          <p:nvPr>
+            <p:ph idx="1"/>
+          </p:nvPr>
+        </p:nvPicPr>
+        <p:blipFill>
+          <a:blip r:embed="rId2">
+            <a:extLst>
+              <a:ext uri="{28A0092B-C50C-407E-A947-70E740481C1C}">
+                <a14:useLocalDpi xmlns:a14="http://schemas.microsoft.com/office/drawing/2010/main" val="0"/>
+              </a:ext>
+            </a:extLst>
+          </a:blip>
+          <a:stretch>
+            <a:fillRect/>
+          </a:stretch>
+        </p:blipFill>
+        <p:spPr>
+          <a:xfrm>
+            <a:off x="6450262" y="468061"/>
+            <a:ext cx="5520601" cy="3778250"/>
+          </a:xfrm>
+          <a:prstGeom prst="rect">
+            <a:avLst/>
+          </a:prstGeom>
+        </p:spPr>
+      </p:pic>
+      <p:pic>
+        <p:nvPicPr>
+          <p:cNvPr id="6" name="Picture 5"/>
+          <p:cNvPicPr>
+            <a:picLocks noChangeAspect="1"/>
+          </p:cNvPicPr>
+          <p:nvPr/>
+        </p:nvPicPr>
+        <p:blipFill>
+          <a:blip r:embed="rId3">
+            <a:extLst>
+              <a:ext uri="{28A0092B-C50C-407E-A947-70E740481C1C}">
+                <a14:useLocalDpi xmlns:a14="http://schemas.microsoft.com/office/drawing/2010/main" val="0"/>
+              </a:ext>
+            </a:extLst>
+          </a:blip>
+          <a:stretch>
+            <a:fillRect/>
+          </a:stretch>
+        </p:blipFill>
+        <p:spPr>
+          <a:xfrm>
+            <a:off x="769635" y="2773612"/>
+            <a:ext cx="6115904" cy="3648584"/>
+          </a:xfrm>
+          <a:prstGeom prst="rect">
+            <a:avLst/>
+          </a:prstGeom>
+        </p:spPr>
+      </p:pic>
     </p:spTree>
     <p:extLst>
       <p:ext uri="{BB962C8B-B14F-4D97-AF65-F5344CB8AC3E}">
-        <p14:creationId xmlns="" xmlns:p14="http://schemas.microsoft.com/office/powerpoint/2010/main" val="3301468455"/>
+        <p14:creationId xmlns:p14="http://schemas.microsoft.com/office/powerpoint/2010/main" val="3301468455"/>
       </p:ext>
     </p:extLst>
   </p:cSld>
@@ -8481,7 +8605,7 @@
           <a:p>
             <a:r>
               <a:rPr lang="en-US" dirty="0" smtClean="0"/>
-              <a:t>Challenges</a:t>
+              <a:t>Printing</a:t>
             </a:r>
             <a:endParaRPr lang="en-US" dirty="0"/>
           </a:p>
@@ -8502,14 +8626,98 @@
           <a:bodyPr/>
           <a:lstStyle/>
           <a:p>
+            <a:pPr marL="0" indent="0">
+              <a:buNone/>
+            </a:pPr>
+            <a:r>
+              <a:rPr lang="en-US" dirty="0" smtClean="0"/>
+              <a:t>Printing</a:t>
+            </a:r>
+          </a:p>
+          <a:p>
+            <a:pPr marL="0" indent="0">
+              <a:buNone/>
+            </a:pPr>
             <a:endParaRPr lang="en-US" dirty="0"/>
           </a:p>
         </p:txBody>
       </p:sp>
+      <p:pic>
+        <p:nvPicPr>
+          <p:cNvPr id="4" name="Picture 3"/>
+          <p:cNvPicPr>
+            <a:picLocks noChangeAspect="1"/>
+          </p:cNvPicPr>
+          <p:nvPr/>
+        </p:nvPicPr>
+        <p:blipFill>
+          <a:blip r:embed="rId2"/>
+          <a:stretch>
+            <a:fillRect/>
+          </a:stretch>
+        </p:blipFill>
+        <p:spPr>
+          <a:xfrm>
+            <a:off x="344912" y="1530238"/>
+            <a:ext cx="7253623" cy="3878868"/>
+          </a:xfrm>
+          <a:prstGeom prst="rect">
+            <a:avLst/>
+          </a:prstGeom>
+        </p:spPr>
+      </p:pic>
+      <p:pic>
+        <p:nvPicPr>
+          <p:cNvPr id="5" name="Picture 4"/>
+          <p:cNvPicPr>
+            <a:picLocks noChangeAspect="1"/>
+          </p:cNvPicPr>
+          <p:nvPr/>
+        </p:nvPicPr>
+        <p:blipFill>
+          <a:blip r:embed="rId3"/>
+          <a:stretch>
+            <a:fillRect/>
+          </a:stretch>
+        </p:blipFill>
+        <p:spPr>
+          <a:xfrm>
+            <a:off x="6027313" y="2913661"/>
+            <a:ext cx="5878132" cy="2414233"/>
+          </a:xfrm>
+          <a:prstGeom prst="rect">
+            <a:avLst/>
+          </a:prstGeom>
+        </p:spPr>
+      </p:pic>
+      <p:pic>
+        <p:nvPicPr>
+          <p:cNvPr id="6" name="Picture 5"/>
+          <p:cNvPicPr>
+            <a:picLocks noChangeAspect="1"/>
+          </p:cNvPicPr>
+          <p:nvPr/>
+        </p:nvPicPr>
+        <p:blipFill>
+          <a:blip r:embed="rId4"/>
+          <a:stretch>
+            <a:fillRect/>
+          </a:stretch>
+        </p:blipFill>
+        <p:spPr>
+          <a:xfrm>
+            <a:off x="6023154" y="5357740"/>
+            <a:ext cx="2943225" cy="1876425"/>
+          </a:xfrm>
+          <a:prstGeom prst="rect">
+            <a:avLst/>
+          </a:prstGeom>
+        </p:spPr>
+      </p:pic>
     </p:spTree>
     <p:extLst>
       <p:ext uri="{BB962C8B-B14F-4D97-AF65-F5344CB8AC3E}">
-        <p14:creationId xmlns="" xmlns:p14="http://schemas.microsoft.com/office/powerpoint/2010/main" val="10271161"/>
+        <p14:creationId xmlns:p14="http://schemas.microsoft.com/office/powerpoint/2010/main" val="10271161"/>
       </p:ext>
     </p:extLst>
   </p:cSld>
@@ -8536,52 +8744,10 @@
           <a:chExt cx="0" cy="0"/>
         </a:xfrm>
       </p:grpSpPr>
-      <p:sp>
-        <p:nvSpPr>
-          <p:cNvPr id="2" name="Title 1"/>
-          <p:cNvSpPr>
-            <a:spLocks noGrp="1"/>
-          </p:cNvSpPr>
-          <p:nvPr>
-            <p:ph type="title"/>
-          </p:nvPr>
-        </p:nvSpPr>
-        <p:spPr/>
-        <p:txBody>
-          <a:bodyPr/>
-          <a:lstStyle/>
-          <a:p>
-            <a:r>
-              <a:rPr lang="en-US" dirty="0" smtClean="0"/>
-              <a:t>challenges</a:t>
-            </a:r>
-            <a:endParaRPr lang="en-US" dirty="0"/>
-          </a:p>
-        </p:txBody>
-      </p:sp>
-      <p:sp>
-        <p:nvSpPr>
-          <p:cNvPr id="3" name="Content Placeholder 2"/>
-          <p:cNvSpPr>
-            <a:spLocks noGrp="1"/>
-          </p:cNvSpPr>
-          <p:nvPr>
-            <p:ph idx="1"/>
-          </p:nvPr>
-        </p:nvSpPr>
-        <p:spPr/>
-        <p:txBody>
-          <a:bodyPr/>
-          <a:lstStyle/>
-          <a:p>
-            <a:endParaRPr lang="en-US"/>
-          </a:p>
-        </p:txBody>
-      </p:sp>
     </p:spTree>
     <p:extLst>
       <p:ext uri="{BB962C8B-B14F-4D97-AF65-F5344CB8AC3E}">
-        <p14:creationId xmlns="" xmlns:p14="http://schemas.microsoft.com/office/powerpoint/2010/main" val="2911743668"/>
+        <p14:creationId xmlns:p14="http://schemas.microsoft.com/office/powerpoint/2010/main" val="2911743668"/>
       </p:ext>
     </p:extLst>
   </p:cSld>
@@ -8625,7 +8791,7 @@
           <a:p>
             <a:r>
               <a:rPr lang="en-US" dirty="0" smtClean="0"/>
-              <a:t>challenges</a:t>
+              <a:t>Global variable</a:t>
             </a:r>
             <a:endParaRPr lang="en-US" dirty="0"/>
           </a:p>
@@ -8641,19 +8807,55 @@
             <p:ph idx="1"/>
           </p:nvPr>
         </p:nvSpPr>
-        <p:spPr/>
+        <p:spPr>
+          <a:xfrm>
+            <a:off x="2589212" y="2172237"/>
+            <a:ext cx="8915400" cy="3777622"/>
+          </a:xfrm>
+        </p:spPr>
         <p:txBody>
           <a:bodyPr/>
           <a:lstStyle/>
           <a:p>
-            <a:endParaRPr lang="en-US"/>
-          </a:p>
-        </p:txBody>
-      </p:sp>
+            <a:pPr marL="0" indent="0">
+              <a:buNone/>
+            </a:pPr>
+            <a:r>
+              <a:rPr lang="en-US" dirty="0" err="1" smtClean="0"/>
+              <a:t>Application.Current.Resourse</a:t>
+            </a:r>
+            <a:endParaRPr lang="en-US" dirty="0"/>
+          </a:p>
+        </p:txBody>
+      </p:sp>
+      <p:pic>
+        <p:nvPicPr>
+          <p:cNvPr id="4" name="Picture 3"/>
+          <p:cNvPicPr>
+            <a:picLocks noChangeAspect="1"/>
+          </p:cNvPicPr>
+          <p:nvPr/>
+        </p:nvPicPr>
+        <p:blipFill>
+          <a:blip r:embed="rId2"/>
+          <a:stretch>
+            <a:fillRect/>
+          </a:stretch>
+        </p:blipFill>
+        <p:spPr>
+          <a:xfrm>
+            <a:off x="3514725" y="2786062"/>
+            <a:ext cx="5162550" cy="1285875"/>
+          </a:xfrm>
+          <a:prstGeom prst="rect">
+            <a:avLst/>
+          </a:prstGeom>
+        </p:spPr>
+      </p:pic>
     </p:spTree>
     <p:extLst>
       <p:ext uri="{BB962C8B-B14F-4D97-AF65-F5344CB8AC3E}">
-        <p14:creationId xmlns="" xmlns:p14="http://schemas.microsoft.com/office/powerpoint/2010/main" val="2409900537"/>
+        <p14:creationId xmlns:p14="http://schemas.microsoft.com/office/powerpoint/2010/main" val="2409900537"/>
       </p:ext>
     </p:extLst>
   </p:cSld>
@@ -8680,9 +8882,33 @@
           <a:chExt cx="0" cy="0"/>
         </a:xfrm>
       </p:grpSpPr>
-      <p:sp>
-        <p:nvSpPr>
-          <p:cNvPr id="2" name="Title 1"/>
+      <p:pic>
+        <p:nvPicPr>
+          <p:cNvPr id="5" name="Picture 4"/>
+          <p:cNvPicPr>
+            <a:picLocks noChangeAspect="1"/>
+          </p:cNvPicPr>
+          <p:nvPr/>
+        </p:nvPicPr>
+        <p:blipFill>
+          <a:blip r:embed="rId2"/>
+          <a:stretch>
+            <a:fillRect/>
+          </a:stretch>
+        </p:blipFill>
+        <p:spPr>
+          <a:xfrm>
+            <a:off x="1262867" y="1975276"/>
+            <a:ext cx="6650983" cy="2687143"/>
+          </a:xfrm>
+          <a:prstGeom prst="rect">
+            <a:avLst/>
+          </a:prstGeom>
+        </p:spPr>
+      </p:pic>
+      <p:sp>
+        <p:nvSpPr>
+          <p:cNvPr id="6" name="Title 1"/>
           <p:cNvSpPr>
             <a:spLocks noGrp="1"/>
           </p:cNvSpPr>
@@ -8690,42 +8916,61 @@
             <p:ph type="title"/>
           </p:nvPr>
         </p:nvSpPr>
-        <p:spPr/>
-        <p:txBody>
-          <a:bodyPr/>
+        <p:spPr>
+          <a:xfrm>
+            <a:off x="2592925" y="624110"/>
+            <a:ext cx="8911687" cy="1280890"/>
+          </a:xfrm>
+        </p:spPr>
+        <p:txBody>
+          <a:bodyPr>
+            <a:normAutofit/>
+          </a:bodyPr>
           <a:lstStyle/>
           <a:p>
             <a:r>
-              <a:rPr lang="en-US" dirty="0" smtClean="0"/>
-              <a:t>challenges</a:t>
-            </a:r>
-            <a:endParaRPr lang="en-US" dirty="0"/>
-          </a:p>
-        </p:txBody>
-      </p:sp>
-      <p:sp>
-        <p:nvSpPr>
-          <p:cNvPr id="3" name="Content Placeholder 2"/>
-          <p:cNvSpPr>
-            <a:spLocks noGrp="1"/>
-          </p:cNvSpPr>
-          <p:nvPr>
-            <p:ph idx="1"/>
-          </p:nvPr>
-        </p:nvSpPr>
-        <p:spPr/>
-        <p:txBody>
-          <a:bodyPr/>
-          <a:lstStyle/>
-          <a:p>
-            <a:endParaRPr lang="en-US"/>
-          </a:p>
-        </p:txBody>
-      </p:sp>
+              <a:rPr lang="en-US" b="1" dirty="0" smtClean="0"/>
+              <a:t>Refresh parent window</a:t>
+            </a:r>
+            <a:r>
+              <a:rPr lang="en-US" b="1" dirty="0"/>
+              <a:t/>
+            </a:r>
+            <a:br>
+              <a:rPr lang="en-US" b="1" dirty="0"/>
+            </a:br>
+            <a:endParaRPr lang="en-US" b="1" dirty="0"/>
+          </a:p>
+        </p:txBody>
+      </p:sp>
+      <p:pic>
+        <p:nvPicPr>
+          <p:cNvPr id="7" name="Picture 6"/>
+          <p:cNvPicPr>
+            <a:picLocks noChangeAspect="1"/>
+          </p:cNvPicPr>
+          <p:nvPr/>
+        </p:nvPicPr>
+        <p:blipFill>
+          <a:blip r:embed="rId3"/>
+          <a:stretch>
+            <a:fillRect/>
+          </a:stretch>
+        </p:blipFill>
+        <p:spPr>
+          <a:xfrm>
+            <a:off x="4959782" y="1339403"/>
+            <a:ext cx="6904862" cy="1253151"/>
+          </a:xfrm>
+          <a:prstGeom prst="rect">
+            <a:avLst/>
+          </a:prstGeom>
+        </p:spPr>
+      </p:pic>
     </p:spTree>
     <p:extLst>
       <p:ext uri="{BB962C8B-B14F-4D97-AF65-F5344CB8AC3E}">
-        <p14:creationId xmlns="" xmlns:p14="http://schemas.microsoft.com/office/powerpoint/2010/main" val="978202197"/>
+        <p14:creationId xmlns:p14="http://schemas.microsoft.com/office/powerpoint/2010/main" val="978202197"/>
       </p:ext>
     </p:extLst>
   </p:cSld>
@@ -8769,11 +9014,7 @@
           <a:p>
             <a:r>
               <a:rPr lang="en-US" b="1" dirty="0" smtClean="0"/>
-              <a:t>Futures </a:t>
-            </a:r>
-            <a:r>
-              <a:rPr lang="en-US" b="1" dirty="0" smtClean="0"/>
-              <a:t>task</a:t>
+              <a:t>Futures task</a:t>
             </a:r>
             <a:endParaRPr lang="en-US" b="1" dirty="0"/>
           </a:p>
@@ -8812,7 +9053,7 @@
             </a:r>
             <a:r>
               <a:rPr lang="en-US" sz="2000" b="1" dirty="0" err="1" smtClean="0"/>
-              <a:t>saatnumber</a:t>
+              <a:t>seatnumber</a:t>
             </a:r>
             <a:r>
               <a:rPr lang="en-US" sz="2000" b="1" dirty="0" smtClean="0"/>
@@ -8836,7 +9077,7 @@
     </p:spTree>
     <p:extLst>
       <p:ext uri="{BB962C8B-B14F-4D97-AF65-F5344CB8AC3E}">
-        <p14:creationId xmlns="" xmlns:p14="http://schemas.microsoft.com/office/powerpoint/2010/main" val="272585998"/>
+        <p14:creationId xmlns:p14="http://schemas.microsoft.com/office/powerpoint/2010/main" val="272585998"/>
       </p:ext>
     </p:extLst>
   </p:cSld>
@@ -9083,7 +9324,7 @@
   <a:extraClrSchemeLst/>
   <a:extLst>
     <a:ext uri="{05A4C25C-085E-4340-85A3-A5531E510DB2}">
-      <thm15:themeFamily xmlns="" xmlns:thm15="http://schemas.microsoft.com/office/thememl/2012/main" name="Wisp" id="{7CB32D59-10C0-40DD-B7BD-2E94284A981C}" vid="{4F34B87B-9C7A-41AE-A6CB-48536223DFFD}"/>
+      <thm15:themeFamily xmlns:thm15="http://schemas.microsoft.com/office/thememl/2012/main" name="Wisp" id="{7CB32D59-10C0-40DD-B7BD-2E94284A981C}" vid="{4F34B87B-9C7A-41AE-A6CB-48536223DFFD}"/>
     </a:ext>
   </a:extLst>
 </a:theme>
